--- a/夜本毕设资料/夜大本科论文/李虎城-IDEAL-答辩PPT.pptx
+++ b/夜本毕设资料/夜大本科论文/李虎城-IDEAL-答辩PPT.pptx
@@ -42743,24 +42743,14 @@
               </a:lnSpc>
             </a:pPr>
             <a:r>
-              <a:rPr lang="zh-CN" altLang="en-US">
+              <a:rPr lang="zh-CN" altLang="en-US" dirty="0">
                 <a:solidFill>
                   <a:srgbClr val="FFFFFF"/>
                 </a:solidFill>
                 <a:latin typeface="微软雅黑" panose="020B0503020204020204" pitchFamily="34" charset="-122"/>
                 <a:ea typeface="微软雅黑" panose="020B0503020204020204" pitchFamily="34" charset="-122"/>
               </a:rPr>
-              <a:t>      经过</a:t>
-            </a:r>
-            <a:r>
-              <a:rPr lang="zh-CN" altLang="en-US" dirty="0">
-                <a:solidFill>
-                  <a:srgbClr val="FFFFFF"/>
-                </a:solidFill>
-                <a:latin typeface="微软雅黑" panose="020B0503020204020204" pitchFamily="34" charset="-122"/>
-                <a:ea typeface="微软雅黑" panose="020B0503020204020204" pitchFamily="34" charset="-122"/>
-              </a:rPr>
-              <a:t>老师的指导和这段时间的努力，同时参阅了大量的资料和书籍等，实现了此</a:t>
+              <a:t>      经过老师的指导和这段时间的努力，同时参阅了大量的资料和书籍等，实现了此</a:t>
             </a:r>
             <a:r>
               <a:rPr lang="en-US" altLang="zh-CN" dirty="0">
@@ -42874,7 +42864,17 @@
                 <a:latin typeface="微软雅黑" panose="020B0503020204020204" pitchFamily="34" charset="-122"/>
                 <a:ea typeface="微软雅黑" panose="020B0503020204020204" pitchFamily="34" charset="-122"/>
               </a:rPr>
-              <a:t>还有待修改和完善，界面设计方面需要更进一步的优化，提高用户视觉体验，数据搜索方面，需要更加晚上后台</a:t>
+              <a:t>还有待修改和完善，界面设计方面需要更进一步的优化，提高用户视觉体验，数据搜索方面，</a:t>
+            </a:r>
+            <a:r>
+              <a:rPr lang="zh-CN" altLang="en-US">
+                <a:solidFill>
+                  <a:srgbClr val="FFFFFF"/>
+                </a:solidFill>
+                <a:latin typeface="微软雅黑" panose="020B0503020204020204" pitchFamily="34" charset="-122"/>
+                <a:ea typeface="微软雅黑" panose="020B0503020204020204" pitchFamily="34" charset="-122"/>
+              </a:rPr>
+              <a:t>需要更加完善后台</a:t>
             </a:r>
             <a:r>
               <a:rPr lang="en-US" altLang="zh-CN" dirty="0">
